--- a/DA2023_PRJ1_G06_4/Group_Project_1_-_DA.pptx
+++ b/DA2023_PRJ1_G06_4/Group_Project_1_-_DA.pptx
@@ -21,6 +21,7 @@
     <p:sldId id="272" r:id="rId18"/>
     <p:sldId id="267" r:id="rId19"/>
     <p:sldId id="268" r:id="rId20"/>
+    <p:sldId id="273" r:id="rId21"/>
   </p:sldIdLst>
   <p:sldSz cx="12192000" cy="6858000"/>
   <p:notesSz cx="6858000" cy="9144000"/>
@@ -135,6 +136,60 @@
 </p1510:revInfo>
 </file>
 
+<file path=ppt/ink/ink1.xml><?xml version="1.0" encoding="utf-8"?>
+<inkml:ink xmlns:inkml="http://www.w3.org/2003/InkML">
+  <inkml:definitions>
+    <inkml:context xml:id="ctx0">
+      <inkml:inkSource xml:id="inkSrc0">
+        <inkml:traceFormat>
+          <inkml:channel name="X" type="integer" min="-2.14748E9" max="2.14748E9" units="cm"/>
+          <inkml:channel name="Y" type="integer" min="-2.14748E9" max="2.14748E9" units="cm"/>
+          <inkml:channel name="F" type="integer" max="32767" units="dev"/>
+        </inkml:traceFormat>
+        <inkml:channelProperties>
+          <inkml:channelProperty channel="X" name="resolution" value="1000" units="1/cm"/>
+          <inkml:channelProperty channel="Y" name="resolution" value="1000" units="1/cm"/>
+          <inkml:channelProperty channel="F" name="resolution" value="0" units="1/dev"/>
+        </inkml:channelProperties>
+      </inkml:inkSource>
+      <inkml:timestamp xml:id="ts0" timeString="2023-04-13T02:21:17.882"/>
+    </inkml:context>
+    <inkml:brush xml:id="br0">
+      <inkml:brushProperty name="width" value="0.05" units="cm"/>
+      <inkml:brushProperty name="height" value="0.05" units="cm"/>
+    </inkml:brush>
+  </inkml:definitions>
+  <inkml:trace contextRef="#ctx0" brushRef="#br0">1 387 24575,'1'-1'0,"1"1"0,-1-1 0,1 0 0,-1 0 0,1 0 0,-1 0 0,0 0 0,1 0 0,-1 0 0,0 0 0,2-3 0,7-5 0,30-16 0,-29 19 0,1-1 0,-1 1 0,-1-2 0,0 0 0,0 0 0,0-1 0,-1 0 0,0-1 0,-1 0 0,10-14 0,24-69 0,-32 68 0,1 1 0,23-40 0,-33 62 0,1 0 0,-1 0 0,1 0 0,0-1 0,0 2 0,-1-1 0,1 0 0,1 0 0,-1 0 0,0 1 0,0-1 0,0 1 0,4-2 0,-5 3 0,0 0 0,-1 0 0,1 0 0,-1 0 0,1 0 0,0 0 0,-1 0 0,1 0 0,-1 0 0,1 0 0,-1 0 0,1 1 0,0-1 0,-1 0 0,1 0 0,-1 1 0,1-1 0,-1 0 0,1 1 0,-1-1 0,1 0 0,-1 1 0,1 0 0,0 0 0,0 1 0,0 0 0,0 0 0,0 0 0,0-1 0,0 1 0,-1 0 0,1 0 0,-1 0 0,1 3 0,2 18 0,0 39 0,-3-43 0,-1-1 0,-1 0 0,-7 28 0,-60 266-1365,-30 108-5461</inkml:trace>
+</inkml:ink>
+</file>
+
+<file path=ppt/ink/ink2.xml><?xml version="1.0" encoding="utf-8"?>
+<inkml:ink xmlns:inkml="http://www.w3.org/2003/InkML">
+  <inkml:definitions>
+    <inkml:context xml:id="ctx0">
+      <inkml:inkSource xml:id="inkSrc0">
+        <inkml:traceFormat>
+          <inkml:channel name="X" type="integer" min="-2.14748E9" max="2.14748E9" units="cm"/>
+          <inkml:channel name="Y" type="integer" min="-2.14748E9" max="2.14748E9" units="cm"/>
+          <inkml:channel name="F" type="integer" max="32767" units="dev"/>
+        </inkml:traceFormat>
+        <inkml:channelProperties>
+          <inkml:channelProperty channel="X" name="resolution" value="1000" units="1/cm"/>
+          <inkml:channelProperty channel="Y" name="resolution" value="1000" units="1/cm"/>
+          <inkml:channelProperty channel="F" name="resolution" value="0" units="1/dev"/>
+        </inkml:channelProperties>
+      </inkml:inkSource>
+      <inkml:timestamp xml:id="ts0" timeString="2023-04-13T02:21:21.116"/>
+    </inkml:context>
+    <inkml:brush xml:id="br0">
+      <inkml:brushProperty name="width" value="0.05" units="cm"/>
+      <inkml:brushProperty name="height" value="0.05" units="cm"/>
+    </inkml:brush>
+  </inkml:definitions>
+  <inkml:trace contextRef="#ctx0" brushRef="#br0">1 964 24575,'144'2'0,"159"-5"0,-295 3 0,12-1 0,1-1 0,-1 0 0,30-8 0,-46 8 0,1 1 0,0-1 0,-1 1 0,0-1 0,1-1 0,-1 1 0,0 0 0,0-1 0,0 0 0,0 0 0,-1 0 0,1-1 0,-1 1 0,0-1 0,0 1 0,0-1 0,0 0 0,-1-1 0,0 1 0,3-6 0,-1-3 0,-2 1 0,1-1 0,-1 0 0,0-20 0,-2 18 0,2-1 0,3-18 0,-4 32 0,0 0 0,-1 0 0,1-1 0,-1 1 0,0 0 0,0 0 0,1 0 0,-1 0 0,-1 0 0,1 0 0,0 0 0,0 0 0,-1-1 0,1 1 0,-1 0 0,0 0 0,1 0 0,-3-2 0,2 2 0,-1 1 0,0-1 0,0 1 0,0 0 0,0 0 0,0 0 0,0 0 0,0 0 0,0 0 0,0 0 0,0 1 0,0-1 0,-1 1 0,1-1 0,0 1 0,-5 0 0,-70 0 0,63 1 0,1 0 0,0-1 0,-1 0 0,1-1 0,-1-1 0,1 0 0,0-1 0,0 0 0,-22-10 0,18 4 0,0-1 0,-27-23 0,-1-1 0,40 30 0,0 0 0,0 0 0,0 0 0,1 0 0,0-1 0,-1 0 0,2 0 0,-1 0 0,1 0 0,-1-1 0,2 1 0,-1-1 0,-2-5 0,2 1 0,1 1 0,0-1 0,0 1 0,1-1 0,1 1 0,-1-1 0,3-17 0,1 6 0,1 0 0,0 1 0,2-1 0,1 1 0,0 0 0,1 1 0,13-22 0,-4 10 0,-5 8 0,29-41 0,-35 57 0,0 0 0,0 0 0,1 1 0,-1 0 0,2 0 0,-1 1 0,0-1 0,1 2 0,11-6 0,-2 3 0,0 1 0,1 1 0,0 0 0,0 1 0,0 1 0,21 0 0,115 2 0,-95 3 0,127 0-1365,-148-2-5461</inkml:trace>
+</inkml:ink>
+</file>
+
 <file path=ppt/slideLayouts/slideLayout1.xml><?xml version="1.0" encoding="utf-8"?>
 <p:sldLayout xmlns:a="http://schemas.openxmlformats.org/drawingml/2006/main" xmlns:r="http://schemas.openxmlformats.org/officeDocument/2006/relationships" xmlns:p="http://schemas.openxmlformats.org/presentationml/2006/main" type="title" preserve="1">
   <p:cSld name="Title Slide">
@@ -288,7 +343,7 @@
           <a:p>
             <a:fld id="{79C5A860-F335-4252-AA00-24FB67ED2982}" type="datetime1">
               <a:rPr lang="en-US" smtClean="0"/>
-              <a:t>4/10/2023</a:t>
+              <a:t>4/13/2023</a:t>
             </a:fld>
             <a:endParaRPr lang="en-US"/>
           </a:p>
@@ -487,7 +542,7 @@
           <a:p>
             <a:fld id="{46AB1048-0047-48CA-88BA-D69B470942CF}" type="datetime1">
               <a:rPr lang="en-US" smtClean="0"/>
-              <a:t>4/10/2023</a:t>
+              <a:t>4/13/2023</a:t>
             </a:fld>
             <a:endParaRPr lang="en-US"/>
           </a:p>
@@ -697,7 +752,7 @@
           <a:p>
             <a:fld id="{5BD83879-648C-49A9-81A2-0EF5946532D0}" type="datetime1">
               <a:rPr lang="en-US" smtClean="0"/>
-              <a:t>4/10/2023</a:t>
+              <a:t>4/13/2023</a:t>
             </a:fld>
             <a:endParaRPr lang="en-US"/>
           </a:p>
@@ -895,7 +950,7 @@
           <a:p>
             <a:fld id="{D04BC802-30E3-4658-9CCA-F873646FEC67}" type="datetime1">
               <a:rPr lang="en-US" smtClean="0"/>
-              <a:t>4/10/2023</a:t>
+              <a:t>4/13/2023</a:t>
             </a:fld>
             <a:endParaRPr lang="en-US"/>
           </a:p>
@@ -1173,7 +1228,7 @@
           <a:p>
             <a:fld id="{0AB227A3-19CE-4153-81CE-64EB7AB094B3}" type="datetime1">
               <a:rPr lang="en-US" smtClean="0"/>
-              <a:t>4/10/2023</a:t>
+              <a:t>4/13/2023</a:t>
             </a:fld>
             <a:endParaRPr lang="en-US"/>
           </a:p>
@@ -1440,7 +1495,7 @@
           <a:p>
             <a:fld id="{B819A100-10F6-477E-8847-29D479EF1C92}" type="datetime1">
               <a:rPr lang="en-US" smtClean="0"/>
-              <a:t>4/10/2023</a:t>
+              <a:t>4/13/2023</a:t>
             </a:fld>
             <a:endParaRPr lang="en-US"/>
           </a:p>
@@ -1854,7 +1909,7 @@
           <a:p>
             <a:fld id="{5DF128AB-198A-495F-8475-FDB360C9873F}" type="datetime1">
               <a:rPr lang="en-US" smtClean="0"/>
-              <a:t>4/10/2023</a:t>
+              <a:t>4/13/2023</a:t>
             </a:fld>
             <a:endParaRPr lang="en-US"/>
           </a:p>
@@ -1995,7 +2050,7 @@
           <a:p>
             <a:fld id="{021A235E-F8FD-479F-9FC7-18BE84110877}" type="datetime1">
               <a:rPr lang="en-US" smtClean="0"/>
-              <a:t>4/10/2023</a:t>
+              <a:t>4/13/2023</a:t>
             </a:fld>
             <a:endParaRPr lang="en-US"/>
           </a:p>
@@ -2108,7 +2163,7 @@
           <a:p>
             <a:fld id="{E890F09B-68DA-462E-9DB4-4C9ADAB8CBCC}" type="datetime1">
               <a:rPr lang="en-US" smtClean="0"/>
-              <a:t>4/10/2023</a:t>
+              <a:t>4/13/2023</a:t>
             </a:fld>
             <a:endParaRPr lang="en-US"/>
           </a:p>
@@ -2427,7 +2482,7 @@
           <a:p>
             <a:fld id="{17AC4E36-FABE-47EB-AA7F-C19A93824617}" type="datetime1">
               <a:rPr lang="en-US" smtClean="0"/>
-              <a:t>4/10/2023</a:t>
+              <a:t>4/13/2023</a:t>
             </a:fld>
             <a:endParaRPr lang="en-US"/>
           </a:p>
@@ -2724,7 +2779,7 @@
           <a:p>
             <a:fld id="{F199CE6B-5DE6-4A2D-B72E-5E8969F9F56F}" type="datetime1">
               <a:rPr lang="en-US" smtClean="0"/>
-              <a:t>4/10/2023</a:t>
+              <a:t>4/13/2023</a:t>
             </a:fld>
             <a:endParaRPr lang="en-US"/>
           </a:p>
@@ -3582,7 +3637,7 @@
           <a:p>
             <a:fld id="{F481A142-DA77-4A5F-AD1F-14E6C18F0F5F}" type="datetime1">
               <a:rPr lang="en-US" smtClean="0"/>
-              <a:t>4/10/2023</a:t>
+              <a:t>4/13/2023</a:t>
             </a:fld>
             <a:endParaRPr lang="en-US" dirty="0"/>
           </a:p>
@@ -6581,6 +6636,1210 @@
 </p:sld>
 </file>
 
+<file path=ppt/slides/slide17.xml><?xml version="1.0" encoding="utf-8"?>
+<p:sld xmlns:a="http://schemas.openxmlformats.org/drawingml/2006/main" xmlns:r="http://schemas.openxmlformats.org/officeDocument/2006/relationships" xmlns:p="http://schemas.openxmlformats.org/presentationml/2006/main">
+  <p:cSld>
+    <p:bg>
+      <p:bgPr>
+        <a:solidFill>
+          <a:schemeClr val="bg2"/>
+        </a:solidFill>
+        <a:effectLst/>
+      </p:bgPr>
+    </p:bg>
+    <p:spTree>
+      <p:nvGrpSpPr>
+        <p:cNvPr id="1" name=""/>
+        <p:cNvGrpSpPr/>
+        <p:nvPr/>
+      </p:nvGrpSpPr>
+      <p:grpSpPr>
+        <a:xfrm>
+          <a:off x="0" y="0"/>
+          <a:ext cx="0" cy="0"/>
+          <a:chOff x="0" y="0"/>
+          <a:chExt cx="0" cy="0"/>
+        </a:xfrm>
+      </p:grpSpPr>
+      <p:sp>
+        <p:nvSpPr>
+          <p:cNvPr id="8" name="Rectangle 7">
+            <a:extLst>
+              <a:ext uri="{FF2B5EF4-FFF2-40B4-BE49-F238E27FC236}">
+                <a16:creationId xmlns:a16="http://schemas.microsoft.com/office/drawing/2014/main" id="{042E603F-28B7-4831-BF23-65FBAB13D5FB}"/>
+              </a:ext>
+              <a:ext uri="{C183D7F6-B498-43B3-948B-1728B52AA6E4}">
+                <adec:decorative xmlns:adec="http://schemas.microsoft.com/office/drawing/2017/decorative" val="1"/>
+              </a:ext>
+            </a:extLst>
+          </p:cNvPr>
+          <p:cNvSpPr>
+            <a:spLocks noGrp="1" noRot="1" noChangeAspect="1" noMove="1" noResize="1" noEditPoints="1" noAdjustHandles="1" noChangeArrowheads="1" noChangeShapeType="1" noTextEdit="1"/>
+          </p:cNvSpPr>
+          <p:nvPr>
+            <p:extLst>
+              <p:ext uri="{386F3935-93C4-4BCD-93E2-E3B085C9AB24}">
+                <p16:designElem xmlns:p16="http://schemas.microsoft.com/office/powerpoint/2015/main" val="1"/>
+              </p:ext>
+            </p:extLst>
+          </p:nvPr>
+        </p:nvSpPr>
+        <p:spPr>
+          <a:xfrm>
+            <a:off x="0" y="0"/>
+            <a:ext cx="12192001" cy="6858000"/>
+          </a:xfrm>
+          <a:prstGeom prst="rect">
+            <a:avLst/>
+          </a:prstGeom>
+          <a:solidFill>
+            <a:srgbClr val="AEAEAE">
+              <a:alpha val="10000"/>
+            </a:srgbClr>
+          </a:solidFill>
+          <a:ln>
+            <a:noFill/>
+          </a:ln>
+        </p:spPr>
+        <p:style>
+          <a:lnRef idx="2">
+            <a:schemeClr val="accent1">
+              <a:shade val="50000"/>
+            </a:schemeClr>
+          </a:lnRef>
+          <a:fillRef idx="1">
+            <a:schemeClr val="accent1"/>
+          </a:fillRef>
+          <a:effectRef idx="0">
+            <a:schemeClr val="accent1"/>
+          </a:effectRef>
+          <a:fontRef idx="minor">
+            <a:schemeClr val="lt1"/>
+          </a:fontRef>
+        </p:style>
+        <p:txBody>
+          <a:bodyPr rtlCol="0" anchor="ctr"/>
+          <a:lstStyle/>
+          <a:p>
+            <a:pPr algn="ctr"/>
+            <a:endParaRPr lang="en-US" dirty="0"/>
+          </a:p>
+        </p:txBody>
+      </p:sp>
+      <p:sp>
+        <p:nvSpPr>
+          <p:cNvPr id="10" name="Freeform: Shape 9">
+            <a:extLst>
+              <a:ext uri="{FF2B5EF4-FFF2-40B4-BE49-F238E27FC236}">
+                <a16:creationId xmlns:a16="http://schemas.microsoft.com/office/drawing/2014/main" id="{4D39700F-2B10-4402-A7DD-06EE2245880D}"/>
+              </a:ext>
+              <a:ext uri="{C183D7F6-B498-43B3-948B-1728B52AA6E4}">
+                <adec:decorative xmlns:adec="http://schemas.microsoft.com/office/drawing/2017/decorative" val="1"/>
+              </a:ext>
+            </a:extLst>
+          </p:cNvPr>
+          <p:cNvSpPr>
+            <a:spLocks noGrp="1" noRot="1" noChangeAspect="1" noMove="1" noResize="1" noEditPoints="1" noAdjustHandles="1" noChangeArrowheads="1" noChangeShapeType="1" noTextEdit="1"/>
+          </p:cNvSpPr>
+          <p:nvPr>
+            <p:extLst>
+              <p:ext uri="{386F3935-93C4-4BCD-93E2-E3B085C9AB24}">
+                <p16:designElem xmlns:p16="http://schemas.microsoft.com/office/powerpoint/2015/main" val="1"/>
+              </p:ext>
+            </p:extLst>
+          </p:nvPr>
+        </p:nvSpPr>
+        <p:spPr>
+          <a:xfrm>
+            <a:off x="-1" y="232968"/>
+            <a:ext cx="9560477" cy="6625032"/>
+          </a:xfrm>
+          <a:custGeom>
+            <a:avLst/>
+            <a:gdLst>
+              <a:gd name="connsiteX0" fmla="*/ 8831314 w 9263816"/>
+              <a:gd name="connsiteY0" fmla="*/ 5943878 h 6858000"/>
+              <a:gd name="connsiteX1" fmla="*/ 9179783 w 9263816"/>
+              <a:gd name="connsiteY1" fmla="*/ 6086141 h 6858000"/>
+              <a:gd name="connsiteX2" fmla="*/ 9260887 w 9263816"/>
+              <a:gd name="connsiteY2" fmla="*/ 6279156 h 6858000"/>
+              <a:gd name="connsiteX3" fmla="*/ 8925621 w 9263816"/>
+              <a:gd name="connsiteY3" fmla="*/ 6708712 h 6858000"/>
+              <a:gd name="connsiteX4" fmla="*/ 8496050 w 9263816"/>
+              <a:gd name="connsiteY4" fmla="*/ 6373449 h 6858000"/>
+              <a:gd name="connsiteX5" fmla="*/ 8831314 w 9263816"/>
+              <a:gd name="connsiteY5" fmla="*/ 5943878 h 6858000"/>
+              <a:gd name="connsiteX6" fmla="*/ 7397485 w 9263816"/>
+              <a:gd name="connsiteY6" fmla="*/ 5931706 h 6858000"/>
+              <a:gd name="connsiteX7" fmla="*/ 7917779 w 9263816"/>
+              <a:gd name="connsiteY7" fmla="*/ 6191864 h 6858000"/>
+              <a:gd name="connsiteX8" fmla="*/ 8013467 w 9263816"/>
+              <a:gd name="connsiteY8" fmla="*/ 6375784 h 6858000"/>
+              <a:gd name="connsiteX9" fmla="*/ 8021879 w 9263816"/>
+              <a:gd name="connsiteY9" fmla="*/ 6753751 h 6858000"/>
+              <a:gd name="connsiteX10" fmla="*/ 7981316 w 9263816"/>
+              <a:gd name="connsiteY10" fmla="*/ 6858000 h 6858000"/>
+              <a:gd name="connsiteX11" fmla="*/ 6819486 w 9263816"/>
+              <a:gd name="connsiteY11" fmla="*/ 6858000 h 6858000"/>
+              <a:gd name="connsiteX12" fmla="*/ 6785199 w 9263816"/>
+              <a:gd name="connsiteY12" fmla="*/ 6781101 h 6858000"/>
+              <a:gd name="connsiteX13" fmla="*/ 7196747 w 9263816"/>
+              <a:gd name="connsiteY13" fmla="*/ 5964309 h 6858000"/>
+              <a:gd name="connsiteX14" fmla="*/ 7397485 w 9263816"/>
+              <a:gd name="connsiteY14" fmla="*/ 5931706 h 6858000"/>
+              <a:gd name="connsiteX15" fmla="*/ 1505570 w 9263816"/>
+              <a:gd name="connsiteY15" fmla="*/ 227178 h 6858000"/>
+              <a:gd name="connsiteX16" fmla="*/ 2026489 w 9263816"/>
+              <a:gd name="connsiteY16" fmla="*/ 392370 h 6858000"/>
+              <a:gd name="connsiteX17" fmla="*/ 2444553 w 9263816"/>
+              <a:gd name="connsiteY17" fmla="*/ 1654853 h 6858000"/>
+              <a:gd name="connsiteX18" fmla="*/ 3183153 w 9263816"/>
+              <a:gd name="connsiteY18" fmla="*/ 2116208 h 6858000"/>
+              <a:gd name="connsiteX19" fmla="*/ 4288384 w 9263816"/>
+              <a:gd name="connsiteY19" fmla="*/ 1291908 h 6858000"/>
+              <a:gd name="connsiteX20" fmla="*/ 5472602 w 9263816"/>
+              <a:gd name="connsiteY20" fmla="*/ 1697818 h 6858000"/>
+              <a:gd name="connsiteX21" fmla="*/ 5844697 w 9263816"/>
+              <a:gd name="connsiteY21" fmla="*/ 3444791 h 6858000"/>
+              <a:gd name="connsiteX22" fmla="*/ 6715674 w 9263816"/>
+              <a:gd name="connsiteY22" fmla="*/ 4065208 h 6858000"/>
+              <a:gd name="connsiteX23" fmla="*/ 8130429 w 9263816"/>
+              <a:gd name="connsiteY23" fmla="*/ 4101787 h 6858000"/>
+              <a:gd name="connsiteX24" fmla="*/ 8624630 w 9263816"/>
+              <a:gd name="connsiteY24" fmla="*/ 4686202 h 6858000"/>
+              <a:gd name="connsiteX25" fmla="*/ 8623843 w 9263816"/>
+              <a:gd name="connsiteY25" fmla="*/ 4685749 h 6858000"/>
+              <a:gd name="connsiteX26" fmla="*/ 8646859 w 9263816"/>
+              <a:gd name="connsiteY26" fmla="*/ 4835156 h 6858000"/>
+              <a:gd name="connsiteX27" fmla="*/ 8079403 w 9263816"/>
+              <a:gd name="connsiteY27" fmla="*/ 5661624 h 6858000"/>
+              <a:gd name="connsiteX28" fmla="*/ 6833105 w 9263816"/>
+              <a:gd name="connsiteY28" fmla="*/ 5397208 h 6858000"/>
+              <a:gd name="connsiteX29" fmla="*/ 5900832 w 9263816"/>
+              <a:gd name="connsiteY29" fmla="*/ 5944462 h 6858000"/>
+              <a:gd name="connsiteX30" fmla="*/ 6067212 w 9263816"/>
+              <a:gd name="connsiteY30" fmla="*/ 6811916 h 6858000"/>
+              <a:gd name="connsiteX31" fmla="*/ 6089565 w 9263816"/>
+              <a:gd name="connsiteY31" fmla="*/ 6858000 h 6858000"/>
+              <a:gd name="connsiteX32" fmla="*/ 0 w 9263816"/>
+              <a:gd name="connsiteY32" fmla="*/ 6858000 h 6858000"/>
+              <a:gd name="connsiteX33" fmla="*/ 0 w 9263816"/>
+              <a:gd name="connsiteY33" fmla="*/ 2181377 h 6858000"/>
+              <a:gd name="connsiteX34" fmla="*/ 73069 w 9263816"/>
+              <a:gd name="connsiteY34" fmla="*/ 2215839 h 6858000"/>
+              <a:gd name="connsiteX35" fmla="*/ 335445 w 9263816"/>
+              <a:gd name="connsiteY35" fmla="*/ 2237140 h 6858000"/>
+              <a:gd name="connsiteX36" fmla="*/ 752878 w 9263816"/>
+              <a:gd name="connsiteY36" fmla="*/ 1445285 h 6858000"/>
+              <a:gd name="connsiteX37" fmla="*/ 1202551 w 9263816"/>
+              <a:gd name="connsiteY37" fmla="*/ 314229 h 6858000"/>
+              <a:gd name="connsiteX38" fmla="*/ 1505570 w 9263816"/>
+              <a:gd name="connsiteY38" fmla="*/ 227178 h 6858000"/>
+              <a:gd name="connsiteX39" fmla="*/ 3142509 w 9263816"/>
+              <a:gd name="connsiteY39" fmla="*/ 68854 h 6858000"/>
+              <a:gd name="connsiteX40" fmla="*/ 3490978 w 9263816"/>
+              <a:gd name="connsiteY40" fmla="*/ 211117 h 6858000"/>
+              <a:gd name="connsiteX41" fmla="*/ 3572083 w 9263816"/>
+              <a:gd name="connsiteY41" fmla="*/ 404131 h 6858000"/>
+              <a:gd name="connsiteX42" fmla="*/ 3236814 w 9263816"/>
+              <a:gd name="connsiteY42" fmla="*/ 833688 h 6858000"/>
+              <a:gd name="connsiteX43" fmla="*/ 2807245 w 9263816"/>
+              <a:gd name="connsiteY43" fmla="*/ 498425 h 6858000"/>
+              <a:gd name="connsiteX44" fmla="*/ 3142509 w 9263816"/>
+              <a:gd name="connsiteY44" fmla="*/ 68854 h 6858000"/>
+              <a:gd name="connsiteX45" fmla="*/ 0 w 9263816"/>
+              <a:gd name="connsiteY45" fmla="*/ 0 h 6858000"/>
+              <a:gd name="connsiteX46" fmla="*/ 39858 w 9263816"/>
+              <a:gd name="connsiteY46" fmla="*/ 0 h 6858000"/>
+              <a:gd name="connsiteX47" fmla="*/ 65022 w 9263816"/>
+              <a:gd name="connsiteY47" fmla="*/ 5834 h 6858000"/>
+              <a:gd name="connsiteX48" fmla="*/ 389258 w 9263816"/>
+              <a:gd name="connsiteY48" fmla="*/ 235630 h 6858000"/>
+              <a:gd name="connsiteX49" fmla="*/ 485484 w 9263816"/>
+              <a:gd name="connsiteY49" fmla="*/ 420070 h 6858000"/>
+              <a:gd name="connsiteX50" fmla="*/ 74229 w 9263816"/>
+              <a:gd name="connsiteY50" fmla="*/ 1237955 h 6858000"/>
+              <a:gd name="connsiteX51" fmla="*/ 0 w 9263816"/>
+              <a:gd name="connsiteY51" fmla="*/ 1254477 h 6858000"/>
+            </a:gdLst>
+            <a:ahLst/>
+            <a:cxnLst>
+              <a:cxn ang="0">
+                <a:pos x="connsiteX0" y="connsiteY0"/>
+              </a:cxn>
+              <a:cxn ang="0">
+                <a:pos x="connsiteX1" y="connsiteY1"/>
+              </a:cxn>
+              <a:cxn ang="0">
+                <a:pos x="connsiteX2" y="connsiteY2"/>
+              </a:cxn>
+              <a:cxn ang="0">
+                <a:pos x="connsiteX3" y="connsiteY3"/>
+              </a:cxn>
+              <a:cxn ang="0">
+                <a:pos x="connsiteX4" y="connsiteY4"/>
+              </a:cxn>
+              <a:cxn ang="0">
+                <a:pos x="connsiteX5" y="connsiteY5"/>
+              </a:cxn>
+              <a:cxn ang="0">
+                <a:pos x="connsiteX6" y="connsiteY6"/>
+              </a:cxn>
+              <a:cxn ang="0">
+                <a:pos x="connsiteX7" y="connsiteY7"/>
+              </a:cxn>
+              <a:cxn ang="0">
+                <a:pos x="connsiteX8" y="connsiteY8"/>
+              </a:cxn>
+              <a:cxn ang="0">
+                <a:pos x="connsiteX9" y="connsiteY9"/>
+              </a:cxn>
+              <a:cxn ang="0">
+                <a:pos x="connsiteX10" y="connsiteY10"/>
+              </a:cxn>
+              <a:cxn ang="0">
+                <a:pos x="connsiteX11" y="connsiteY11"/>
+              </a:cxn>
+              <a:cxn ang="0">
+                <a:pos x="connsiteX12" y="connsiteY12"/>
+              </a:cxn>
+              <a:cxn ang="0">
+                <a:pos x="connsiteX13" y="connsiteY13"/>
+              </a:cxn>
+              <a:cxn ang="0">
+                <a:pos x="connsiteX14" y="connsiteY14"/>
+              </a:cxn>
+              <a:cxn ang="0">
+                <a:pos x="connsiteX15" y="connsiteY15"/>
+              </a:cxn>
+              <a:cxn ang="0">
+                <a:pos x="connsiteX16" y="connsiteY16"/>
+              </a:cxn>
+              <a:cxn ang="0">
+                <a:pos x="connsiteX17" y="connsiteY17"/>
+              </a:cxn>
+              <a:cxn ang="0">
+                <a:pos x="connsiteX18" y="connsiteY18"/>
+              </a:cxn>
+              <a:cxn ang="0">
+                <a:pos x="connsiteX19" y="connsiteY19"/>
+              </a:cxn>
+              <a:cxn ang="0">
+                <a:pos x="connsiteX20" y="connsiteY20"/>
+              </a:cxn>
+              <a:cxn ang="0">
+                <a:pos x="connsiteX21" y="connsiteY21"/>
+              </a:cxn>
+              <a:cxn ang="0">
+                <a:pos x="connsiteX22" y="connsiteY22"/>
+              </a:cxn>
+              <a:cxn ang="0">
+                <a:pos x="connsiteX23" y="connsiteY23"/>
+              </a:cxn>
+              <a:cxn ang="0">
+                <a:pos x="connsiteX24" y="connsiteY24"/>
+              </a:cxn>
+              <a:cxn ang="0">
+                <a:pos x="connsiteX25" y="connsiteY25"/>
+              </a:cxn>
+              <a:cxn ang="0">
+                <a:pos x="connsiteX26" y="connsiteY26"/>
+              </a:cxn>
+              <a:cxn ang="0">
+                <a:pos x="connsiteX27" y="connsiteY27"/>
+              </a:cxn>
+              <a:cxn ang="0">
+                <a:pos x="connsiteX28" y="connsiteY28"/>
+              </a:cxn>
+              <a:cxn ang="0">
+                <a:pos x="connsiteX29" y="connsiteY29"/>
+              </a:cxn>
+              <a:cxn ang="0">
+                <a:pos x="connsiteX30" y="connsiteY30"/>
+              </a:cxn>
+              <a:cxn ang="0">
+                <a:pos x="connsiteX31" y="connsiteY31"/>
+              </a:cxn>
+              <a:cxn ang="0">
+                <a:pos x="connsiteX32" y="connsiteY32"/>
+              </a:cxn>
+              <a:cxn ang="0">
+                <a:pos x="connsiteX33" y="connsiteY33"/>
+              </a:cxn>
+              <a:cxn ang="0">
+                <a:pos x="connsiteX34" y="connsiteY34"/>
+              </a:cxn>
+              <a:cxn ang="0">
+                <a:pos x="connsiteX35" y="connsiteY35"/>
+              </a:cxn>
+              <a:cxn ang="0">
+                <a:pos x="connsiteX36" y="connsiteY36"/>
+              </a:cxn>
+              <a:cxn ang="0">
+                <a:pos x="connsiteX37" y="connsiteY37"/>
+              </a:cxn>
+              <a:cxn ang="0">
+                <a:pos x="connsiteX38" y="connsiteY38"/>
+              </a:cxn>
+              <a:cxn ang="0">
+                <a:pos x="connsiteX39" y="connsiteY39"/>
+              </a:cxn>
+              <a:cxn ang="0">
+                <a:pos x="connsiteX40" y="connsiteY40"/>
+              </a:cxn>
+              <a:cxn ang="0">
+                <a:pos x="connsiteX41" y="connsiteY41"/>
+              </a:cxn>
+              <a:cxn ang="0">
+                <a:pos x="connsiteX42" y="connsiteY42"/>
+              </a:cxn>
+              <a:cxn ang="0">
+                <a:pos x="connsiteX43" y="connsiteY43"/>
+              </a:cxn>
+              <a:cxn ang="0">
+                <a:pos x="connsiteX44" y="connsiteY44"/>
+              </a:cxn>
+              <a:cxn ang="0">
+                <a:pos x="connsiteX45" y="connsiteY45"/>
+              </a:cxn>
+              <a:cxn ang="0">
+                <a:pos x="connsiteX46" y="connsiteY46"/>
+              </a:cxn>
+              <a:cxn ang="0">
+                <a:pos x="connsiteX47" y="connsiteY47"/>
+              </a:cxn>
+              <a:cxn ang="0">
+                <a:pos x="connsiteX48" y="connsiteY48"/>
+              </a:cxn>
+              <a:cxn ang="0">
+                <a:pos x="connsiteX49" y="connsiteY49"/>
+              </a:cxn>
+              <a:cxn ang="0">
+                <a:pos x="connsiteX50" y="connsiteY50"/>
+              </a:cxn>
+              <a:cxn ang="0">
+                <a:pos x="connsiteX51" y="connsiteY51"/>
+              </a:cxn>
+            </a:cxnLst>
+            <a:rect l="l" t="t" r="r" b="b"/>
+            <a:pathLst>
+              <a:path w="9263816" h="6858000">
+                <a:moveTo>
+                  <a:pt x="8831314" y="5943878"/>
+                </a:moveTo>
+                <a:cubicBezTo>
+                  <a:pt x="8964281" y="5927490"/>
+                  <a:pt x="9096260" y="5981362"/>
+                  <a:pt x="9179783" y="6086141"/>
+                </a:cubicBezTo>
+                <a:cubicBezTo>
+                  <a:pt x="9224074" y="6141769"/>
+                  <a:pt x="9252211" y="6208560"/>
+                  <a:pt x="9260887" y="6279156"/>
+                </a:cubicBezTo>
+                <a:cubicBezTo>
+                  <a:pt x="9286897" y="6490362"/>
+                  <a:pt x="9136845" y="6682672"/>
+                  <a:pt x="8925621" y="6708712"/>
+                </a:cubicBezTo>
+                <a:cubicBezTo>
+                  <a:pt x="8714398" y="6734766"/>
+                  <a:pt x="8522062" y="6584655"/>
+                  <a:pt x="8496050" y="6373449"/>
+                </a:cubicBezTo>
+                <a:cubicBezTo>
+                  <a:pt x="8470038" y="6162229"/>
+                  <a:pt x="8620090" y="5969920"/>
+                  <a:pt x="8831314" y="5943878"/>
+                </a:cubicBezTo>
+                <a:close/>
+                <a:moveTo>
+                  <a:pt x="7397485" y="5931706"/>
+                </a:moveTo>
+                <a:cubicBezTo>
+                  <a:pt x="7598431" y="5931157"/>
+                  <a:pt x="7792965" y="6024548"/>
+                  <a:pt x="7917779" y="6191864"/>
+                </a:cubicBezTo>
+                <a:cubicBezTo>
+                  <a:pt x="7959204" y="6247714"/>
+                  <a:pt x="7991530" y="6309792"/>
+                  <a:pt x="8013467" y="6375784"/>
+                </a:cubicBezTo>
+                <a:cubicBezTo>
+                  <a:pt x="8055425" y="6502973"/>
+                  <a:pt x="8055748" y="6633888"/>
+                  <a:pt x="8021879" y="6753751"/>
+                </a:cubicBezTo>
+                <a:lnTo>
+                  <a:pt x="7981316" y="6858000"/>
+                </a:lnTo>
+                <a:lnTo>
+                  <a:pt x="6819486" y="6858000"/>
+                </a:lnTo>
+                <a:lnTo>
+                  <a:pt x="6785199" y="6781101"/>
+                </a:lnTo>
+                <a:cubicBezTo>
+                  <a:pt x="6673307" y="6441922"/>
+                  <a:pt x="6857485" y="6076251"/>
+                  <a:pt x="7196747" y="5964309"/>
+                </a:cubicBezTo>
+                <a:cubicBezTo>
+                  <a:pt x="7262809" y="5942509"/>
+                  <a:pt x="7330503" y="5931889"/>
+                  <a:pt x="7397485" y="5931706"/>
+                </a:cubicBezTo>
+                <a:close/>
+                <a:moveTo>
+                  <a:pt x="1505570" y="227178"/>
+                </a:moveTo>
+                <a:cubicBezTo>
+                  <a:pt x="1691018" y="218628"/>
+                  <a:pt x="1889853" y="275403"/>
+                  <a:pt x="2026489" y="392370"/>
+                </a:cubicBezTo>
+                <a:cubicBezTo>
+                  <a:pt x="2369898" y="685965"/>
+                  <a:pt x="2078266" y="1147857"/>
+                  <a:pt x="2444553" y="1654853"/>
+                </a:cubicBezTo>
+                <a:cubicBezTo>
+                  <a:pt x="2492906" y="1721679"/>
+                  <a:pt x="2800482" y="2144546"/>
+                  <a:pt x="3183153" y="2116208"/>
+                </a:cubicBezTo>
+                <a:cubicBezTo>
+                  <a:pt x="3673561" y="2080541"/>
+                  <a:pt x="3723222" y="1441614"/>
+                  <a:pt x="4288384" y="1291908"/>
+                </a:cubicBezTo>
+                <a:cubicBezTo>
+                  <a:pt x="4689065" y="1185875"/>
+                  <a:pt x="5207943" y="1366633"/>
+                  <a:pt x="5472602" y="1697818"/>
+                </a:cubicBezTo>
+                <a:cubicBezTo>
+                  <a:pt x="5891294" y="2221754"/>
+                  <a:pt x="5408012" y="2790179"/>
+                  <a:pt x="5844697" y="3444791"/>
+                </a:cubicBezTo>
+                <a:cubicBezTo>
+                  <a:pt x="6149900" y="3902467"/>
+                  <a:pt x="6672672" y="4053594"/>
+                  <a:pt x="6715674" y="4065208"/>
+                </a:cubicBezTo>
+                <a:cubicBezTo>
+                  <a:pt x="7326423" y="4232519"/>
+                  <a:pt x="7677158" y="3817020"/>
+                  <a:pt x="8130429" y="4101787"/>
+                </a:cubicBezTo>
+                <a:cubicBezTo>
+                  <a:pt x="8226340" y="4161985"/>
+                  <a:pt x="8536372" y="4356819"/>
+                  <a:pt x="8624630" y="4686202"/>
+                </a:cubicBezTo>
+                <a:lnTo>
+                  <a:pt x="8623843" y="4685749"/>
+                </a:lnTo>
+                <a:cubicBezTo>
+                  <a:pt x="8636924" y="4734567"/>
+                  <a:pt x="8644635" y="4784678"/>
+                  <a:pt x="8646859" y="4835156"/>
+                </a:cubicBezTo>
+                <a:cubicBezTo>
+                  <a:pt x="8662596" y="5196604"/>
+                  <a:pt x="8398383" y="5562326"/>
+                  <a:pt x="8079403" y="5661624"/>
+                </a:cubicBezTo>
+                <a:cubicBezTo>
+                  <a:pt x="7649807" y="5795217"/>
+                  <a:pt x="7430996" y="5350293"/>
+                  <a:pt x="6833105" y="5397208"/>
+                </a:cubicBezTo>
+                <a:cubicBezTo>
+                  <a:pt x="6519033" y="5421527"/>
+                  <a:pt x="6056658" y="5595550"/>
+                  <a:pt x="5900832" y="5944462"/>
+                </a:cubicBezTo>
+                <a:cubicBezTo>
+                  <a:pt x="5770548" y="6236600"/>
+                  <a:pt x="5916359" y="6515160"/>
+                  <a:pt x="6067212" y="6811916"/>
+                </a:cubicBezTo>
+                <a:lnTo>
+                  <a:pt x="6089565" y="6858000"/>
+                </a:lnTo>
+                <a:lnTo>
+                  <a:pt x="0" y="6858000"/>
+                </a:lnTo>
+                <a:lnTo>
+                  <a:pt x="0" y="2181377"/>
+                </a:lnTo>
+                <a:lnTo>
+                  <a:pt x="73069" y="2215839"/>
+                </a:lnTo>
+                <a:cubicBezTo>
+                  <a:pt x="165116" y="2251829"/>
+                  <a:pt x="254486" y="2263171"/>
+                  <a:pt x="335445" y="2237140"/>
+                </a:cubicBezTo>
+                <a:cubicBezTo>
+                  <a:pt x="594718" y="2153707"/>
+                  <a:pt x="688441" y="1733807"/>
+                  <a:pt x="752878" y="1445285"/>
+                </a:cubicBezTo>
+                <a:cubicBezTo>
+                  <a:pt x="925059" y="674068"/>
+                  <a:pt x="975076" y="456292"/>
+                  <a:pt x="1202551" y="314229"/>
+                </a:cubicBezTo>
+                <a:cubicBezTo>
+                  <a:pt x="1287853" y="260956"/>
+                  <a:pt x="1394302" y="232308"/>
+                  <a:pt x="1505570" y="227178"/>
+                </a:cubicBezTo>
+                <a:close/>
+                <a:moveTo>
+                  <a:pt x="3142509" y="68854"/>
+                </a:moveTo>
+                <a:cubicBezTo>
+                  <a:pt x="3275474" y="52467"/>
+                  <a:pt x="3407455" y="106339"/>
+                  <a:pt x="3490978" y="211117"/>
+                </a:cubicBezTo>
+                <a:cubicBezTo>
+                  <a:pt x="3535271" y="266744"/>
+                  <a:pt x="3563404" y="333535"/>
+                  <a:pt x="3572083" y="404131"/>
+                </a:cubicBezTo>
+                <a:cubicBezTo>
+                  <a:pt x="3598092" y="615337"/>
+                  <a:pt x="3448040" y="807648"/>
+                  <a:pt x="3236814" y="833688"/>
+                </a:cubicBezTo>
+                <a:cubicBezTo>
+                  <a:pt x="3025594" y="859741"/>
+                  <a:pt x="2833255" y="709631"/>
+                  <a:pt x="2807245" y="498425"/>
+                </a:cubicBezTo>
+                <a:cubicBezTo>
+                  <a:pt x="2781232" y="287207"/>
+                  <a:pt x="2931283" y="94896"/>
+                  <a:pt x="3142509" y="68854"/>
+                </a:cubicBezTo>
+                <a:close/>
+                <a:moveTo>
+                  <a:pt x="0" y="0"/>
+                </a:moveTo>
+                <a:lnTo>
+                  <a:pt x="39858" y="0"/>
+                </a:lnTo>
+                <a:lnTo>
+                  <a:pt x="65022" y="5834"/>
+                </a:lnTo>
+                <a:cubicBezTo>
+                  <a:pt x="191545" y="45606"/>
+                  <a:pt x="305874" y="124173"/>
+                  <a:pt x="389258" y="235630"/>
+                </a:cubicBezTo>
+                <a:cubicBezTo>
+                  <a:pt x="430983" y="291600"/>
+                  <a:pt x="463360" y="353876"/>
+                  <a:pt x="485484" y="420070"/>
+                </a:cubicBezTo>
+                <a:cubicBezTo>
+                  <a:pt x="597711" y="759508"/>
+                  <a:pt x="413661" y="1125662"/>
+                  <a:pt x="74229" y="1237955"/>
+                </a:cubicBezTo>
+                <a:lnTo>
+                  <a:pt x="0" y="1254477"/>
+                </a:lnTo>
+                <a:close/>
+              </a:path>
+            </a:pathLst>
+          </a:custGeom>
+          <a:solidFill>
+            <a:schemeClr val="bg1"/>
+          </a:solidFill>
+          <a:ln w="127000">
+            <a:noFill/>
+          </a:ln>
+        </p:spPr>
+        <p:style>
+          <a:lnRef idx="2">
+            <a:schemeClr val="accent1">
+              <a:shade val="50000"/>
+            </a:schemeClr>
+          </a:lnRef>
+          <a:fillRef idx="1">
+            <a:schemeClr val="accent1"/>
+          </a:fillRef>
+          <a:effectRef idx="0">
+            <a:schemeClr val="accent1"/>
+          </a:effectRef>
+          <a:fontRef idx="minor">
+            <a:schemeClr val="lt1"/>
+          </a:fontRef>
+        </p:style>
+        <p:txBody>
+          <a:bodyPr wrap="square" rtlCol="0" anchor="ctr">
+            <a:noAutofit/>
+          </a:bodyPr>
+          <a:lstStyle/>
+          <a:p>
+            <a:pPr algn="ctr"/>
+            <a:endParaRPr lang="en-US"/>
+          </a:p>
+        </p:txBody>
+      </p:sp>
+      <p:sp useBgFill="1">
+        <p:nvSpPr>
+          <p:cNvPr id="12" name="Background Fill">
+            <a:extLst>
+              <a:ext uri="{FF2B5EF4-FFF2-40B4-BE49-F238E27FC236}">
+                <a16:creationId xmlns:a16="http://schemas.microsoft.com/office/drawing/2014/main" id="{31BC8F63-97F8-423D-89DA-297A1A408EF8}"/>
+              </a:ext>
+              <a:ext uri="{C183D7F6-B498-43B3-948B-1728B52AA6E4}">
+                <adec:decorative xmlns:adec="http://schemas.microsoft.com/office/drawing/2017/decorative" val="1"/>
+              </a:ext>
+            </a:extLst>
+          </p:cNvPr>
+          <p:cNvSpPr>
+            <a:spLocks noGrp="1" noRot="1" noChangeAspect="1" noMove="1" noResize="1" noEditPoints="1" noAdjustHandles="1" noChangeArrowheads="1" noChangeShapeType="1" noTextEdit="1"/>
+          </p:cNvSpPr>
+          <p:nvPr>
+            <p:extLst>
+              <p:ext uri="{386F3935-93C4-4BCD-93E2-E3B085C9AB24}">
+                <p16:designElem xmlns:p16="http://schemas.microsoft.com/office/powerpoint/2015/main" val="1"/>
+              </p:ext>
+            </p:extLst>
+          </p:nvPr>
+        </p:nvSpPr>
+        <p:spPr>
+          <a:xfrm>
+            <a:off x="0" y="0"/>
+            <a:ext cx="12188952" cy="6858000"/>
+          </a:xfrm>
+          <a:prstGeom prst="rect">
+            <a:avLst/>
+          </a:prstGeom>
+          <a:ln>
+            <a:noFill/>
+          </a:ln>
+        </p:spPr>
+        <p:style>
+          <a:lnRef idx="2">
+            <a:schemeClr val="accent1">
+              <a:shade val="50000"/>
+            </a:schemeClr>
+          </a:lnRef>
+          <a:fillRef idx="1">
+            <a:schemeClr val="accent1"/>
+          </a:fillRef>
+          <a:effectRef idx="0">
+            <a:schemeClr val="accent1"/>
+          </a:effectRef>
+          <a:fontRef idx="minor">
+            <a:schemeClr val="lt1"/>
+          </a:fontRef>
+        </p:style>
+        <p:txBody>
+          <a:bodyPr rtlCol="0" anchor="ctr"/>
+          <a:lstStyle/>
+          <a:p>
+            <a:pPr algn="ctr"/>
+            <a:endParaRPr lang="en-US"/>
+          </a:p>
+        </p:txBody>
+      </p:sp>
+      <p:sp>
+        <p:nvSpPr>
+          <p:cNvPr id="14" name="Rectangle 13">
+            <a:extLst>
+              <a:ext uri="{FF2B5EF4-FFF2-40B4-BE49-F238E27FC236}">
+                <a16:creationId xmlns:a16="http://schemas.microsoft.com/office/drawing/2014/main" id="{3BBAB87D-2851-4F58-8AE4-FCF1D7413598}"/>
+              </a:ext>
+              <a:ext uri="{C183D7F6-B498-43B3-948B-1728B52AA6E4}">
+                <adec:decorative xmlns:adec="http://schemas.microsoft.com/office/drawing/2017/decorative" val="1"/>
+              </a:ext>
+            </a:extLst>
+          </p:cNvPr>
+          <p:cNvSpPr>
+            <a:spLocks noGrp="1" noRot="1" noChangeAspect="1" noMove="1" noResize="1" noEditPoints="1" noAdjustHandles="1" noChangeArrowheads="1" noChangeShapeType="1" noTextEdit="1"/>
+          </p:cNvSpPr>
+          <p:nvPr>
+            <p:extLst>
+              <p:ext uri="{386F3935-93C4-4BCD-93E2-E3B085C9AB24}">
+                <p16:designElem xmlns:p16="http://schemas.microsoft.com/office/powerpoint/2015/main" val="1"/>
+              </p:ext>
+            </p:extLst>
+          </p:nvPr>
+        </p:nvSpPr>
+        <p:spPr>
+          <a:xfrm>
+            <a:off x="0" y="0"/>
+            <a:ext cx="12192001" cy="6858000"/>
+          </a:xfrm>
+          <a:prstGeom prst="rect">
+            <a:avLst/>
+          </a:prstGeom>
+          <a:solidFill>
+            <a:srgbClr val="AEAEAE">
+              <a:alpha val="10000"/>
+            </a:srgbClr>
+          </a:solidFill>
+          <a:ln>
+            <a:noFill/>
+          </a:ln>
+        </p:spPr>
+        <p:style>
+          <a:lnRef idx="2">
+            <a:schemeClr val="accent1">
+              <a:shade val="50000"/>
+            </a:schemeClr>
+          </a:lnRef>
+          <a:fillRef idx="1">
+            <a:schemeClr val="accent1"/>
+          </a:fillRef>
+          <a:effectRef idx="0">
+            <a:schemeClr val="accent1"/>
+          </a:effectRef>
+          <a:fontRef idx="minor">
+            <a:schemeClr val="lt1"/>
+          </a:fontRef>
+        </p:style>
+        <p:txBody>
+          <a:bodyPr rtlCol="0" anchor="ctr"/>
+          <a:lstStyle/>
+          <a:p>
+            <a:pPr algn="ctr"/>
+            <a:endParaRPr lang="en-US" dirty="0"/>
+          </a:p>
+        </p:txBody>
+      </p:sp>
+      <p:sp>
+        <p:nvSpPr>
+          <p:cNvPr id="16" name="Freeform: Shape 15">
+            <a:extLst>
+              <a:ext uri="{FF2B5EF4-FFF2-40B4-BE49-F238E27FC236}">
+                <a16:creationId xmlns:a16="http://schemas.microsoft.com/office/drawing/2014/main" id="{396CFDFE-8E78-4E0B-8719-596F3ACB92F6}"/>
+              </a:ext>
+              <a:ext uri="{C183D7F6-B498-43B3-948B-1728B52AA6E4}">
+                <adec:decorative xmlns:adec="http://schemas.microsoft.com/office/drawing/2017/decorative" val="1"/>
+              </a:ext>
+            </a:extLst>
+          </p:cNvPr>
+          <p:cNvSpPr>
+            <a:spLocks noGrp="1" noRot="1" noChangeAspect="1" noMove="1" noResize="1" noEditPoints="1" noAdjustHandles="1" noChangeArrowheads="1" noChangeShapeType="1" noTextEdit="1"/>
+          </p:cNvSpPr>
+          <p:nvPr>
+            <p:extLst>
+              <p:ext uri="{386F3935-93C4-4BCD-93E2-E3B085C9AB24}">
+                <p16:designElem xmlns:p16="http://schemas.microsoft.com/office/powerpoint/2015/main" val="1"/>
+              </p:ext>
+            </p:extLst>
+          </p:nvPr>
+        </p:nvSpPr>
+        <p:spPr>
+          <a:xfrm>
+            <a:off x="9356630" y="4160168"/>
+            <a:ext cx="2832322" cy="2697833"/>
+          </a:xfrm>
+          <a:custGeom>
+            <a:avLst/>
+            <a:gdLst>
+              <a:gd name="connsiteX0" fmla="*/ 638993 w 2832322"/>
+              <a:gd name="connsiteY0" fmla="*/ 1429605 h 2697833"/>
+              <a:gd name="connsiteX1" fmla="*/ 798503 w 2832322"/>
+              <a:gd name="connsiteY1" fmla="*/ 1509001 h 2697833"/>
+              <a:gd name="connsiteX2" fmla="*/ 739507 w 2832322"/>
+              <a:gd name="connsiteY2" fmla="*/ 1729178 h 2697833"/>
+              <a:gd name="connsiteX3" fmla="*/ 519329 w 2832322"/>
+              <a:gd name="connsiteY3" fmla="*/ 1670181 h 2697833"/>
+              <a:gd name="connsiteX4" fmla="*/ 578327 w 2832322"/>
+              <a:gd name="connsiteY4" fmla="*/ 1450005 h 2697833"/>
+              <a:gd name="connsiteX5" fmla="*/ 638993 w 2832322"/>
+              <a:gd name="connsiteY5" fmla="*/ 1429605 h 2697833"/>
+              <a:gd name="connsiteX6" fmla="*/ 1252193 w 2832322"/>
+              <a:gd name="connsiteY6" fmla="*/ 835524 h 2697833"/>
+              <a:gd name="connsiteX7" fmla="*/ 1511699 w 2832322"/>
+              <a:gd name="connsiteY7" fmla="*/ 997686 h 2697833"/>
+              <a:gd name="connsiteX8" fmla="*/ 1392436 w 2832322"/>
+              <a:gd name="connsiteY8" fmla="*/ 1442788 h 2697833"/>
+              <a:gd name="connsiteX9" fmla="*/ 947333 w 2832322"/>
+              <a:gd name="connsiteY9" fmla="*/ 1323523 h 2697833"/>
+              <a:gd name="connsiteX10" fmla="*/ 1066598 w 2832322"/>
+              <a:gd name="connsiteY10" fmla="*/ 878421 h 2697833"/>
+              <a:gd name="connsiteX11" fmla="*/ 1252193 w 2832322"/>
+              <a:gd name="connsiteY11" fmla="*/ 835524 h 2697833"/>
+              <a:gd name="connsiteX12" fmla="*/ 2832322 w 2832322"/>
+              <a:gd name="connsiteY12" fmla="*/ 0 h 2697833"/>
+              <a:gd name="connsiteX13" fmla="*/ 2832322 w 2832322"/>
+              <a:gd name="connsiteY13" fmla="*/ 2697833 h 2697833"/>
+              <a:gd name="connsiteX14" fmla="*/ 0 w 2832322"/>
+              <a:gd name="connsiteY14" fmla="*/ 2697833 h 2697833"/>
+              <a:gd name="connsiteX15" fmla="*/ 12966 w 2832322"/>
+              <a:gd name="connsiteY15" fmla="*/ 2631781 h 2697833"/>
+              <a:gd name="connsiteX16" fmla="*/ 1052443 w 2832322"/>
+              <a:gd name="connsiteY16" fmla="*/ 1806313 h 2697833"/>
+              <a:gd name="connsiteX17" fmla="*/ 1721430 w 2832322"/>
+              <a:gd name="connsiteY17" fmla="*/ 1489397 h 2697833"/>
+              <a:gd name="connsiteX18" fmla="*/ 2115839 w 2832322"/>
+              <a:gd name="connsiteY18" fmla="*/ 696540 h 2697833"/>
+              <a:gd name="connsiteX19" fmla="*/ 2590689 w 2832322"/>
+              <a:gd name="connsiteY19" fmla="*/ 99461 h 2697833"/>
+              <a:gd name="connsiteX20" fmla="*/ 2730434 w 2832322"/>
+              <a:gd name="connsiteY20" fmla="*/ 32840 h 2697833"/>
+            </a:gdLst>
+            <a:ahLst/>
+            <a:cxnLst>
+              <a:cxn ang="0">
+                <a:pos x="connsiteX0" y="connsiteY0"/>
+              </a:cxn>
+              <a:cxn ang="0">
+                <a:pos x="connsiteX1" y="connsiteY1"/>
+              </a:cxn>
+              <a:cxn ang="0">
+                <a:pos x="connsiteX2" y="connsiteY2"/>
+              </a:cxn>
+              <a:cxn ang="0">
+                <a:pos x="connsiteX3" y="connsiteY3"/>
+              </a:cxn>
+              <a:cxn ang="0">
+                <a:pos x="connsiteX4" y="connsiteY4"/>
+              </a:cxn>
+              <a:cxn ang="0">
+                <a:pos x="connsiteX5" y="connsiteY5"/>
+              </a:cxn>
+              <a:cxn ang="0">
+                <a:pos x="connsiteX6" y="connsiteY6"/>
+              </a:cxn>
+              <a:cxn ang="0">
+                <a:pos x="connsiteX7" y="connsiteY7"/>
+              </a:cxn>
+              <a:cxn ang="0">
+                <a:pos x="connsiteX8" y="connsiteY8"/>
+              </a:cxn>
+              <a:cxn ang="0">
+                <a:pos x="connsiteX9" y="connsiteY9"/>
+              </a:cxn>
+              <a:cxn ang="0">
+                <a:pos x="connsiteX10" y="connsiteY10"/>
+              </a:cxn>
+              <a:cxn ang="0">
+                <a:pos x="connsiteX11" y="connsiteY11"/>
+              </a:cxn>
+              <a:cxn ang="0">
+                <a:pos x="connsiteX12" y="connsiteY12"/>
+              </a:cxn>
+              <a:cxn ang="0">
+                <a:pos x="connsiteX13" y="connsiteY13"/>
+              </a:cxn>
+              <a:cxn ang="0">
+                <a:pos x="connsiteX14" y="connsiteY14"/>
+              </a:cxn>
+              <a:cxn ang="0">
+                <a:pos x="connsiteX15" y="connsiteY15"/>
+              </a:cxn>
+              <a:cxn ang="0">
+                <a:pos x="connsiteX16" y="connsiteY16"/>
+              </a:cxn>
+              <a:cxn ang="0">
+                <a:pos x="connsiteX17" y="connsiteY17"/>
+              </a:cxn>
+              <a:cxn ang="0">
+                <a:pos x="connsiteX18" y="connsiteY18"/>
+              </a:cxn>
+              <a:cxn ang="0">
+                <a:pos x="connsiteX19" y="connsiteY19"/>
+              </a:cxn>
+              <a:cxn ang="0">
+                <a:pos x="connsiteX20" y="connsiteY20"/>
+              </a:cxn>
+            </a:cxnLst>
+            <a:rect l="l" t="t" r="r" b="b"/>
+            <a:pathLst>
+              <a:path w="2832322" h="2697833">
+                <a:moveTo>
+                  <a:pt x="638993" y="1429605"/>
+                </a:moveTo>
+                <a:cubicBezTo>
+                  <a:pt x="701328" y="1421871"/>
+                  <a:pt x="765121" y="1451183"/>
+                  <a:pt x="798503" y="1509001"/>
+                </a:cubicBezTo>
+                <a:cubicBezTo>
+                  <a:pt x="843012" y="1586093"/>
+                  <a:pt x="816599" y="1684670"/>
+                  <a:pt x="739507" y="1729178"/>
+                </a:cubicBezTo>
+                <a:cubicBezTo>
+                  <a:pt x="662415" y="1773688"/>
+                  <a:pt x="563838" y="1747275"/>
+                  <a:pt x="519329" y="1670181"/>
+                </a:cubicBezTo>
+                <a:cubicBezTo>
+                  <a:pt x="474820" y="1593091"/>
+                  <a:pt x="501234" y="1494514"/>
+                  <a:pt x="578327" y="1450005"/>
+                </a:cubicBezTo>
+                <a:cubicBezTo>
+                  <a:pt x="597599" y="1438878"/>
+                  <a:pt x="618215" y="1432183"/>
+                  <a:pt x="638993" y="1429605"/>
+                </a:cubicBezTo>
+                <a:close/>
+                <a:moveTo>
+                  <a:pt x="1252193" y="835524"/>
+                </a:moveTo>
+                <a:cubicBezTo>
+                  <a:pt x="1356532" y="842898"/>
+                  <a:pt x="1455464" y="900282"/>
+                  <a:pt x="1511699" y="997686"/>
+                </a:cubicBezTo>
+                <a:cubicBezTo>
+                  <a:pt x="1601677" y="1153532"/>
+                  <a:pt x="1548280" y="1352810"/>
+                  <a:pt x="1392436" y="1442788"/>
+                </a:cubicBezTo>
+                <a:cubicBezTo>
+                  <a:pt x="1236589" y="1532766"/>
+                  <a:pt x="1037311" y="1479369"/>
+                  <a:pt x="947333" y="1323523"/>
+                </a:cubicBezTo>
+                <a:cubicBezTo>
+                  <a:pt x="857356" y="1167678"/>
+                  <a:pt x="910753" y="968399"/>
+                  <a:pt x="1066598" y="878421"/>
+                </a:cubicBezTo>
+                <a:cubicBezTo>
+                  <a:pt x="1125040" y="844680"/>
+                  <a:pt x="1189590" y="831101"/>
+                  <a:pt x="1252193" y="835524"/>
+                </a:cubicBezTo>
+                <a:close/>
+                <a:moveTo>
+                  <a:pt x="2832322" y="0"/>
+                </a:moveTo>
+                <a:lnTo>
+                  <a:pt x="2832322" y="2697833"/>
+                </a:lnTo>
+                <a:lnTo>
+                  <a:pt x="0" y="2697833"/>
+                </a:lnTo>
+                <a:lnTo>
+                  <a:pt x="12966" y="2631781"/>
+                </a:lnTo>
+                <a:cubicBezTo>
+                  <a:pt x="140000" y="2184738"/>
+                  <a:pt x="505773" y="1908362"/>
+                  <a:pt x="1052443" y="1806313"/>
+                </a:cubicBezTo>
+                <a:cubicBezTo>
+                  <a:pt x="1303109" y="1759472"/>
+                  <a:pt x="1574698" y="1718763"/>
+                  <a:pt x="1721430" y="1489397"/>
+                </a:cubicBezTo>
+                <a:cubicBezTo>
+                  <a:pt x="1879597" y="1241842"/>
+                  <a:pt x="2005704" y="970478"/>
+                  <a:pt x="2115839" y="696540"/>
+                </a:cubicBezTo>
+                <a:cubicBezTo>
+                  <a:pt x="2216937" y="444582"/>
+                  <a:pt x="2354076" y="231931"/>
+                  <a:pt x="2590689" y="99461"/>
+                </a:cubicBezTo>
+                <a:cubicBezTo>
+                  <a:pt x="2637069" y="73498"/>
+                  <a:pt x="2683655" y="51402"/>
+                  <a:pt x="2730434" y="32840"/>
+                </a:cubicBezTo>
+                <a:close/>
+              </a:path>
+            </a:pathLst>
+          </a:custGeom>
+          <a:solidFill>
+            <a:schemeClr val="bg1"/>
+          </a:solidFill>
+          <a:ln>
+            <a:noFill/>
+          </a:ln>
+        </p:spPr>
+        <p:style>
+          <a:lnRef idx="2">
+            <a:schemeClr val="accent1">
+              <a:shade val="50000"/>
+            </a:schemeClr>
+          </a:lnRef>
+          <a:fillRef idx="1">
+            <a:schemeClr val="accent1"/>
+          </a:fillRef>
+          <a:effectRef idx="0">
+            <a:schemeClr val="accent1"/>
+          </a:effectRef>
+          <a:fontRef idx="minor">
+            <a:schemeClr val="lt1"/>
+          </a:fontRef>
+        </p:style>
+        <p:txBody>
+          <a:bodyPr wrap="square" rtlCol="0" anchor="ctr">
+            <a:noAutofit/>
+          </a:bodyPr>
+          <a:lstStyle/>
+          <a:p>
+            <a:pPr algn="ctr"/>
+            <a:endParaRPr lang="en-US"/>
+          </a:p>
+        </p:txBody>
+      </p:sp>
+      <p:pic>
+        <p:nvPicPr>
+          <p:cNvPr id="3" name="Picture 2">
+            <a:extLst>
+              <a:ext uri="{FF2B5EF4-FFF2-40B4-BE49-F238E27FC236}">
+                <a16:creationId xmlns:a16="http://schemas.microsoft.com/office/drawing/2014/main" id="{53EEB657-48DF-5616-E954-7F962054E964}"/>
+              </a:ext>
+            </a:extLst>
+          </p:cNvPr>
+          <p:cNvPicPr>
+            <a:picLocks noChangeAspect="1"/>
+          </p:cNvPicPr>
+          <p:nvPr/>
+        </p:nvPicPr>
+        <p:blipFill>
+          <a:blip r:embed="rId2"/>
+          <a:stretch>
+            <a:fillRect/>
+          </a:stretch>
+        </p:blipFill>
+        <p:spPr>
+          <a:xfrm>
+            <a:off x="1452880" y="629920"/>
+            <a:ext cx="10038079" cy="5557519"/>
+          </a:xfrm>
+          <a:prstGeom prst="rect">
+            <a:avLst/>
+          </a:prstGeom>
+        </p:spPr>
+      </p:pic>
+      <mc:AlternateContent xmlns:mc="http://schemas.openxmlformats.org/markup-compatibility/2006">
+        <mc:Choice xmlns:p14="http://schemas.microsoft.com/office/powerpoint/2010/main" Requires="p14">
+          <p:contentPart p14:bwMode="auto" r:id="rId3">
+            <p14:nvContentPartPr>
+              <p14:cNvPr id="4" name="Ink 3">
+                <a:extLst>
+                  <a:ext uri="{FF2B5EF4-FFF2-40B4-BE49-F238E27FC236}">
+                    <a16:creationId xmlns:a16="http://schemas.microsoft.com/office/drawing/2014/main" id="{1AE56171-8200-948E-357A-09B61FBC158C}"/>
+                  </a:ext>
+                </a:extLst>
+              </p14:cNvPr>
+              <p14:cNvContentPartPr/>
+              <p14:nvPr/>
+            </p14:nvContentPartPr>
+            <p14:xfrm>
+              <a:off x="9052320" y="2705840"/>
+              <a:ext cx="123480" cy="340920"/>
+            </p14:xfrm>
+          </p:contentPart>
+        </mc:Choice>
+        <mc:Fallback>
+          <p:pic>
+            <p:nvPicPr>
+              <p:cNvPr id="4" name="Ink 3">
+                <a:extLst>
+                  <a:ext uri="{FF2B5EF4-FFF2-40B4-BE49-F238E27FC236}">
+                    <a16:creationId xmlns:a16="http://schemas.microsoft.com/office/drawing/2014/main" id="{1AE56171-8200-948E-357A-09B61FBC158C}"/>
+                  </a:ext>
+                </a:extLst>
+              </p:cNvPr>
+              <p:cNvPicPr/>
+              <p:nvPr/>
+            </p:nvPicPr>
+            <p:blipFill>
+              <a:blip r:embed="rId4"/>
+              <a:stretch>
+                <a:fillRect/>
+              </a:stretch>
+            </p:blipFill>
+            <p:spPr>
+              <a:xfrm>
+                <a:off x="9043680" y="2697200"/>
+                <a:ext cx="141120" cy="358560"/>
+              </a:xfrm>
+              <a:prstGeom prst="rect">
+                <a:avLst/>
+              </a:prstGeom>
+            </p:spPr>
+          </p:pic>
+        </mc:Fallback>
+      </mc:AlternateContent>
+      <mc:AlternateContent xmlns:mc="http://schemas.openxmlformats.org/markup-compatibility/2006">
+        <mc:Choice xmlns:p14="http://schemas.microsoft.com/office/powerpoint/2010/main" Requires="p14">
+          <p:contentPart p14:bwMode="auto" r:id="rId5">
+            <p14:nvContentPartPr>
+              <p14:cNvPr id="5" name="Ink 4">
+                <a:extLst>
+                  <a:ext uri="{FF2B5EF4-FFF2-40B4-BE49-F238E27FC236}">
+                    <a16:creationId xmlns:a16="http://schemas.microsoft.com/office/drawing/2014/main" id="{2AA3150C-E3A6-D4DE-685A-B849EC4CE050}"/>
+                  </a:ext>
+                </a:extLst>
+              </p14:cNvPr>
+              <p14:cNvContentPartPr/>
+              <p14:nvPr/>
+            </p14:nvContentPartPr>
+            <p14:xfrm>
+              <a:off x="9225120" y="2660480"/>
+              <a:ext cx="357840" cy="347760"/>
+            </p14:xfrm>
+          </p:contentPart>
+        </mc:Choice>
+        <mc:Fallback>
+          <p:pic>
+            <p:nvPicPr>
+              <p:cNvPr id="5" name="Ink 4">
+                <a:extLst>
+                  <a:ext uri="{FF2B5EF4-FFF2-40B4-BE49-F238E27FC236}">
+                    <a16:creationId xmlns:a16="http://schemas.microsoft.com/office/drawing/2014/main" id="{2AA3150C-E3A6-D4DE-685A-B849EC4CE050}"/>
+                  </a:ext>
+                </a:extLst>
+              </p:cNvPr>
+              <p:cNvPicPr/>
+              <p:nvPr/>
+            </p:nvPicPr>
+            <p:blipFill>
+              <a:blip r:embed="rId6"/>
+              <a:stretch>
+                <a:fillRect/>
+              </a:stretch>
+            </p:blipFill>
+            <p:spPr>
+              <a:xfrm>
+                <a:off x="9216480" y="2651480"/>
+                <a:ext cx="375480" cy="365400"/>
+              </a:xfrm>
+              <a:prstGeom prst="rect">
+                <a:avLst/>
+              </a:prstGeom>
+            </p:spPr>
+          </p:pic>
+        </mc:Fallback>
+      </mc:AlternateContent>
+    </p:spTree>
+    <p:extLst>
+      <p:ext uri="{BB962C8B-B14F-4D97-AF65-F5344CB8AC3E}">
+        <p14:creationId xmlns:p14="http://schemas.microsoft.com/office/powerpoint/2010/main" val="2686162048"/>
+      </p:ext>
+    </p:extLst>
+  </p:cSld>
+  <p:clrMapOvr>
+    <a:masterClrMapping/>
+  </p:clrMapOvr>
+</p:sld>
+</file>
+
 <file path=ppt/slides/slide2.xml><?xml version="1.0" encoding="utf-8"?>
 <p:sld xmlns:a="http://schemas.openxmlformats.org/drawingml/2006/main" xmlns:r="http://schemas.openxmlformats.org/officeDocument/2006/relationships" xmlns:p="http://schemas.openxmlformats.org/presentationml/2006/main">
   <p:cSld>
@@ -12944,21 +14203,6 @@
 </file>
 
 <file path=customXml/item1.xml><?xml version="1.0" encoding="utf-8"?>
-<p:properties xmlns:p="http://schemas.microsoft.com/office/2006/metadata/properties" xmlns:xsi="http://www.w3.org/2001/XMLSchema-instance" xmlns:pc="http://schemas.microsoft.com/office/infopath/2007/PartnerControls">
-  <documentManagement/>
-</p:properties>
-</file>
-
-<file path=customXml/item2.xml><?xml version="1.0" encoding="utf-8"?>
-<?mso-contentType ?>
-<FormTemplates xmlns="http://schemas.microsoft.com/sharepoint/v3/contenttype/forms">
-  <Display>DocumentLibraryForm</Display>
-  <Edit>DocumentLibraryForm</Edit>
-  <New>DocumentLibraryForm</New>
-</FormTemplates>
-</file>
-
-<file path=customXml/item3.xml><?xml version="1.0" encoding="utf-8"?>
 <ct:contentTypeSchema xmlns:ct="http://schemas.microsoft.com/office/2006/metadata/contentType" xmlns:ma="http://schemas.microsoft.com/office/2006/metadata/properties/metaAttributes" ct:_="" ma:_="" ma:contentTypeName="Documento" ma:contentTypeID="0x010100327E4EE54D6D1A418604398597CA8137" ma:contentTypeVersion="2" ma:contentTypeDescription="Criar um novo documento." ma:contentTypeScope="" ma:versionID="ba86054d32b046cea99c26d8a85480c0">
   <xsd:schema xmlns:xsd="http://www.w3.org/2001/XMLSchema" xmlns:xs="http://www.w3.org/2001/XMLSchema" xmlns:p="http://schemas.microsoft.com/office/2006/metadata/properties" xmlns:ns3="6d0da10e-af77-4386-af61-2b026adbe9ec" targetNamespace="http://schemas.microsoft.com/office/2006/metadata/properties" ma:root="true" ma:fieldsID="f1b8ce336983f056ecfa231f21aa3da8" ns3:_="">
     <xsd:import namespace="6d0da10e-af77-4386-af61-2b026adbe9ec"/>
@@ -13090,31 +14334,22 @@
 </ct:contentTypeSchema>
 </file>
 
-<file path=customXml/itemProps1.xml><?xml version="1.0" encoding="utf-8"?>
-<ds:datastoreItem xmlns:ds="http://schemas.openxmlformats.org/officeDocument/2006/customXml" ds:itemID="{187D46CA-5892-41B9-8236-7910277AEF38}">
-  <ds:schemaRefs>
-    <ds:schemaRef ds:uri="http://purl.org/dc/terms/"/>
-    <ds:schemaRef ds:uri="http://www.w3.org/XML/1998/namespace"/>
-    <ds:schemaRef ds:uri="http://schemas.microsoft.com/office/2006/documentManagement/types"/>
-    <ds:schemaRef ds:uri="http://schemas.microsoft.com/office/2006/metadata/properties"/>
-    <ds:schemaRef ds:uri="http://purl.org/dc/dcmitype/"/>
-    <ds:schemaRef ds:uri="http://schemas.openxmlformats.org/package/2006/metadata/core-properties"/>
-    <ds:schemaRef ds:uri="http://schemas.microsoft.com/office/infopath/2007/PartnerControls"/>
-    <ds:schemaRef ds:uri="6d0da10e-af77-4386-af61-2b026adbe9ec"/>
-    <ds:schemaRef ds:uri="http://purl.org/dc/elements/1.1/"/>
-  </ds:schemaRefs>
-</ds:datastoreItem>
+<file path=customXml/item2.xml><?xml version="1.0" encoding="utf-8"?>
+<?mso-contentType ?>
+<FormTemplates xmlns="http://schemas.microsoft.com/sharepoint/v3/contenttype/forms">
+  <Display>DocumentLibraryForm</Display>
+  <Edit>DocumentLibraryForm</Edit>
+  <New>DocumentLibraryForm</New>
+</FormTemplates>
 </file>
 
-<file path=customXml/itemProps2.xml><?xml version="1.0" encoding="utf-8"?>
-<ds:datastoreItem xmlns:ds="http://schemas.openxmlformats.org/officeDocument/2006/customXml" ds:itemID="{4ECCD8C7-15E0-4800-B1DC-205C6B8CD816}">
-  <ds:schemaRefs>
-    <ds:schemaRef ds:uri="http://schemas.microsoft.com/sharepoint/v3/contenttype/forms"/>
-  </ds:schemaRefs>
-</ds:datastoreItem>
+<file path=customXml/item3.xml><?xml version="1.0" encoding="utf-8"?>
+<p:properties xmlns:p="http://schemas.microsoft.com/office/2006/metadata/properties" xmlns:xsi="http://www.w3.org/2001/XMLSchema-instance" xmlns:pc="http://schemas.microsoft.com/office/infopath/2007/PartnerControls">
+  <documentManagement/>
+</p:properties>
 </file>
 
-<file path=customXml/itemProps3.xml><?xml version="1.0" encoding="utf-8"?>
+<file path=customXml/itemProps1.xml><?xml version="1.0" encoding="utf-8"?>
 <ds:datastoreItem xmlns:ds="http://schemas.openxmlformats.org/officeDocument/2006/customXml" ds:itemID="{FB6E2123-3346-4353-8A0F-8EA4FCD02316}">
   <ds:schemaRefs>
     <ds:schemaRef ds:uri="http://schemas.microsoft.com/office/2006/metadata/contentType"/>
@@ -13130,4 +14365,28 @@
     <ds:schemaRef ds:uri="http://schemas.microsoft.com/internal/obd"/>
   </ds:schemaRefs>
 </ds:datastoreItem>
+</file>
+
+<file path=customXml/itemProps2.xml><?xml version="1.0" encoding="utf-8"?>
+<ds:datastoreItem xmlns:ds="http://schemas.openxmlformats.org/officeDocument/2006/customXml" ds:itemID="{4ECCD8C7-15E0-4800-B1DC-205C6B8CD816}">
+  <ds:schemaRefs>
+    <ds:schemaRef ds:uri="http://schemas.microsoft.com/sharepoint/v3/contenttype/forms"/>
+  </ds:schemaRefs>
+</ds:datastoreItem>
+</file>
+
+<file path=customXml/itemProps3.xml><?xml version="1.0" encoding="utf-8"?>
+<ds:datastoreItem xmlns:ds="http://schemas.openxmlformats.org/officeDocument/2006/customXml" ds:itemID="{187D46CA-5892-41B9-8236-7910277AEF38}">
+  <ds:schemaRefs>
+    <ds:schemaRef ds:uri="http://purl.org/dc/terms/"/>
+    <ds:schemaRef ds:uri="http://www.w3.org/XML/1998/namespace"/>
+    <ds:schemaRef ds:uri="http://schemas.microsoft.com/office/2006/documentManagement/types"/>
+    <ds:schemaRef ds:uri="http://schemas.microsoft.com/office/2006/metadata/properties"/>
+    <ds:schemaRef ds:uri="http://purl.org/dc/dcmitype/"/>
+    <ds:schemaRef ds:uri="http://schemas.openxmlformats.org/package/2006/metadata/core-properties"/>
+    <ds:schemaRef ds:uri="http://schemas.microsoft.com/office/infopath/2007/PartnerControls"/>
+    <ds:schemaRef ds:uri="6d0da10e-af77-4386-af61-2b026adbe9ec"/>
+    <ds:schemaRef ds:uri="http://purl.org/dc/elements/1.1/"/>
+  </ds:schemaRefs>
+</ds:datastoreItem>
 </file>